--- a/Documentation/IMS Project.pptx
+++ b/Documentation/IMS Project.pptx
@@ -16,10 +16,11 @@
     <p:sldId id="270" r:id="rId10"/>
     <p:sldId id="268" r:id="rId11"/>
     <p:sldId id="269" r:id="rId12"/>
-    <p:sldId id="262" r:id="rId13"/>
-    <p:sldId id="263" r:id="rId14"/>
-    <p:sldId id="264" r:id="rId15"/>
-    <p:sldId id="265" r:id="rId16"/>
+    <p:sldId id="271" r:id="rId13"/>
+    <p:sldId id="262" r:id="rId14"/>
+    <p:sldId id="263" r:id="rId15"/>
+    <p:sldId id="264" r:id="rId16"/>
+    <p:sldId id="265" r:id="rId17"/>
   </p:sldIdLst>
   <p:sldSz cx="12192000" cy="6858000"/>
   <p:notesSz cx="6858000" cy="9144000"/>
@@ -118,6 +119,11 @@
       </a:defRPr>
     </a:lvl9pPr>
   </p:defaultTextStyle>
+  <p:extLst>
+    <p:ext uri="{EFAFB233-063F-42B5-8137-9DF3F51BA10A}">
+      <p15:sldGuideLst xmlns:p15="http://schemas.microsoft.com/office/powerpoint/2012/main"/>
+    </p:ext>
+  </p:extLst>
 </p:presentation>
 </file>
 
@@ -4410,15 +4416,15 @@
           <p:cNvPr id="2" name="Title 1">
             <a:extLst>
               <a:ext uri="{FF2B5EF4-FFF2-40B4-BE49-F238E27FC236}">
-                <a16:creationId xmlns:a16="http://schemas.microsoft.com/office/drawing/2014/main" id="{4DB8EEE4-2E36-4008-8CCB-EE21C424A0A5}"/>
-              </a:ext>
-            </a:extLst>
-          </p:cNvPr>
-          <p:cNvSpPr>
-            <a:spLocks noGrp="1"/>
-          </p:cNvSpPr>
-          <p:nvPr>
-            <p:ph type="ctrTitle"/>
+                <a16:creationId xmlns:a16="http://schemas.microsoft.com/office/drawing/2014/main" id="{61160059-7B79-4170-B5D7-1F426FB21F57}"/>
+              </a:ext>
+            </a:extLst>
+          </p:cNvPr>
+          <p:cNvSpPr>
+            <a:spLocks noGrp="1"/>
+          </p:cNvSpPr>
+          <p:nvPr>
+            <p:ph type="title"/>
           </p:nvPr>
         </p:nvSpPr>
         <p:spPr/>
@@ -4428,15 +4434,51 @@
           <a:p>
             <a:r>
               <a:rPr lang="en-GB" dirty="0"/>
-              <a:t>Demonstrations</a:t>
-            </a:r>
-          </a:p>
-        </p:txBody>
-      </p:sp>
+              <a:t>UML Diagram</a:t>
+            </a:r>
+          </a:p>
+        </p:txBody>
+      </p:sp>
+      <p:pic>
+        <p:nvPicPr>
+          <p:cNvPr id="5" name="Picture 4">
+            <a:extLst>
+              <a:ext uri="{FF2B5EF4-FFF2-40B4-BE49-F238E27FC236}">
+                <a16:creationId xmlns:a16="http://schemas.microsoft.com/office/drawing/2014/main" id="{7FB05FCA-3CA0-4624-AF2C-B69D88A522E7}"/>
+              </a:ext>
+            </a:extLst>
+          </p:cNvPr>
+          <p:cNvPicPr>
+            <a:picLocks noChangeAspect="1"/>
+          </p:cNvPicPr>
+          <p:nvPr/>
+        </p:nvPicPr>
+        <p:blipFill>
+          <a:blip r:embed="rId2">
+            <a:extLst>
+              <a:ext uri="{28A0092B-C50C-407E-A947-70E740481C1C}">
+                <a14:useLocalDpi xmlns:a14="http://schemas.microsoft.com/office/drawing/2010/main" val="0"/>
+              </a:ext>
+            </a:extLst>
+          </a:blip>
+          <a:stretch>
+            <a:fillRect/>
+          </a:stretch>
+        </p:blipFill>
+        <p:spPr>
+          <a:xfrm>
+            <a:off x="4622334" y="365125"/>
+            <a:ext cx="6602136" cy="6169210"/>
+          </a:xfrm>
+          <a:prstGeom prst="rect">
+            <a:avLst/>
+          </a:prstGeom>
+        </p:spPr>
+      </p:pic>
     </p:spTree>
     <p:extLst>
       <p:ext uri="{BB962C8B-B14F-4D97-AF65-F5344CB8AC3E}">
-        <p14:creationId xmlns:p14="http://schemas.microsoft.com/office/powerpoint/2010/main" val="2439061860"/>
+        <p14:creationId xmlns:p14="http://schemas.microsoft.com/office/powerpoint/2010/main" val="3229188420"/>
       </p:ext>
     </p:extLst>
   </p:cSld>
@@ -4468,15 +4510,15 @@
           <p:cNvPr id="2" name="Title 1">
             <a:extLst>
               <a:ext uri="{FF2B5EF4-FFF2-40B4-BE49-F238E27FC236}">
-                <a16:creationId xmlns:a16="http://schemas.microsoft.com/office/drawing/2014/main" id="{FD4BA5D1-B46D-4D62-8BE0-16E3795AEBB2}"/>
-              </a:ext>
-            </a:extLst>
-          </p:cNvPr>
-          <p:cNvSpPr>
-            <a:spLocks noGrp="1"/>
-          </p:cNvSpPr>
-          <p:nvPr>
-            <p:ph type="title"/>
+                <a16:creationId xmlns:a16="http://schemas.microsoft.com/office/drawing/2014/main" id="{4DB8EEE4-2E36-4008-8CCB-EE21C424A0A5}"/>
+              </a:ext>
+            </a:extLst>
+          </p:cNvPr>
+          <p:cNvSpPr>
+            <a:spLocks noGrp="1"/>
+          </p:cNvSpPr>
+          <p:nvPr>
+            <p:ph type="ctrTitle"/>
           </p:nvPr>
         </p:nvSpPr>
         <p:spPr/>
@@ -4486,44 +4528,7 @@
           <a:p>
             <a:r>
               <a:rPr lang="en-GB" dirty="0"/>
-              <a:t>Sprint Review</a:t>
-            </a:r>
-          </a:p>
-        </p:txBody>
-      </p:sp>
-      <p:sp>
-        <p:nvSpPr>
-          <p:cNvPr id="3" name="Content Placeholder 2">
-            <a:extLst>
-              <a:ext uri="{FF2B5EF4-FFF2-40B4-BE49-F238E27FC236}">
-                <a16:creationId xmlns:a16="http://schemas.microsoft.com/office/drawing/2014/main" id="{CB7DCED7-67E6-480B-8E7B-B41383B84EF7}"/>
-              </a:ext>
-            </a:extLst>
-          </p:cNvPr>
-          <p:cNvSpPr>
-            <a:spLocks noGrp="1"/>
-          </p:cNvSpPr>
-          <p:nvPr>
-            <p:ph idx="1"/>
-          </p:nvPr>
-        </p:nvSpPr>
-        <p:spPr/>
-        <p:txBody>
-          <a:bodyPr/>
-          <a:lstStyle/>
-          <a:p>
-            <a:r>
-              <a:rPr lang="en-GB" dirty="0"/>
-              <a:t>What did I complete</a:t>
-            </a:r>
-          </a:p>
-          <a:p>
-            <a:endParaRPr lang="en-GB" dirty="0"/>
-          </a:p>
-          <a:p>
-            <a:r>
-              <a:rPr lang="en-GB" dirty="0"/>
-              <a:t>What got left behind</a:t>
+              <a:t>Demonstrations</a:t>
             </a:r>
           </a:p>
         </p:txBody>
@@ -4531,7 +4536,7 @@
     </p:spTree>
     <p:extLst>
       <p:ext uri="{BB962C8B-B14F-4D97-AF65-F5344CB8AC3E}">
-        <p14:creationId xmlns:p14="http://schemas.microsoft.com/office/powerpoint/2010/main" val="3749601351"/>
+        <p14:creationId xmlns:p14="http://schemas.microsoft.com/office/powerpoint/2010/main" val="2439061860"/>
       </p:ext>
     </p:extLst>
   </p:cSld>
@@ -4563,6 +4568,101 @@
           <p:cNvPr id="2" name="Title 1">
             <a:extLst>
               <a:ext uri="{FF2B5EF4-FFF2-40B4-BE49-F238E27FC236}">
+                <a16:creationId xmlns:a16="http://schemas.microsoft.com/office/drawing/2014/main" id="{FD4BA5D1-B46D-4D62-8BE0-16E3795AEBB2}"/>
+              </a:ext>
+            </a:extLst>
+          </p:cNvPr>
+          <p:cNvSpPr>
+            <a:spLocks noGrp="1"/>
+          </p:cNvSpPr>
+          <p:nvPr>
+            <p:ph type="title"/>
+          </p:nvPr>
+        </p:nvSpPr>
+        <p:spPr/>
+        <p:txBody>
+          <a:bodyPr/>
+          <a:lstStyle/>
+          <a:p>
+            <a:r>
+              <a:rPr lang="en-GB" dirty="0"/>
+              <a:t>Sprint Review</a:t>
+            </a:r>
+          </a:p>
+        </p:txBody>
+      </p:sp>
+      <p:sp>
+        <p:nvSpPr>
+          <p:cNvPr id="3" name="Content Placeholder 2">
+            <a:extLst>
+              <a:ext uri="{FF2B5EF4-FFF2-40B4-BE49-F238E27FC236}">
+                <a16:creationId xmlns:a16="http://schemas.microsoft.com/office/drawing/2014/main" id="{CB7DCED7-67E6-480B-8E7B-B41383B84EF7}"/>
+              </a:ext>
+            </a:extLst>
+          </p:cNvPr>
+          <p:cNvSpPr>
+            <a:spLocks noGrp="1"/>
+          </p:cNvSpPr>
+          <p:nvPr>
+            <p:ph idx="1"/>
+          </p:nvPr>
+        </p:nvSpPr>
+        <p:spPr/>
+        <p:txBody>
+          <a:bodyPr/>
+          <a:lstStyle/>
+          <a:p>
+            <a:r>
+              <a:rPr lang="en-GB" dirty="0"/>
+              <a:t>What did I complete</a:t>
+            </a:r>
+          </a:p>
+          <a:p>
+            <a:endParaRPr lang="en-GB" dirty="0"/>
+          </a:p>
+          <a:p>
+            <a:r>
+              <a:rPr lang="en-GB" dirty="0"/>
+              <a:t>What got left behind</a:t>
+            </a:r>
+          </a:p>
+        </p:txBody>
+      </p:sp>
+    </p:spTree>
+    <p:extLst>
+      <p:ext uri="{BB962C8B-B14F-4D97-AF65-F5344CB8AC3E}">
+        <p14:creationId xmlns:p14="http://schemas.microsoft.com/office/powerpoint/2010/main" val="3749601351"/>
+      </p:ext>
+    </p:extLst>
+  </p:cSld>
+  <p:clrMapOvr>
+    <a:masterClrMapping/>
+  </p:clrMapOvr>
+</p:sld>
+</file>
+
+<file path=ppt/slides/slide15.xml><?xml version="1.0" encoding="utf-8"?>
+<p:sld xmlns:a="http://schemas.openxmlformats.org/drawingml/2006/main" xmlns:r="http://schemas.openxmlformats.org/officeDocument/2006/relationships" xmlns:p="http://schemas.openxmlformats.org/presentationml/2006/main">
+  <p:cSld>
+    <p:spTree>
+      <p:nvGrpSpPr>
+        <p:cNvPr id="1" name=""/>
+        <p:cNvGrpSpPr/>
+        <p:nvPr/>
+      </p:nvGrpSpPr>
+      <p:grpSpPr>
+        <a:xfrm>
+          <a:off x="0" y="0"/>
+          <a:ext cx="0" cy="0"/>
+          <a:chOff x="0" y="0"/>
+          <a:chExt cx="0" cy="0"/>
+        </a:xfrm>
+      </p:grpSpPr>
+      <p:sp>
+        <p:nvSpPr>
+          <p:cNvPr id="2" name="Title 1">
+            <a:extLst>
+              <a:ext uri="{FF2B5EF4-FFF2-40B4-BE49-F238E27FC236}">
                 <a16:creationId xmlns:a16="http://schemas.microsoft.com/office/drawing/2014/main" id="{438AA3F4-9F6F-497A-825C-6B7103DE5A2E}"/>
               </a:ext>
             </a:extLst>
@@ -4636,7 +4736,7 @@
 </p:sld>
 </file>
 
-<file path=ppt/slides/slide15.xml><?xml version="1.0" encoding="utf-8"?>
+<file path=ppt/slides/slide16.xml><?xml version="1.0" encoding="utf-8"?>
 <p:sld xmlns:a="http://schemas.openxmlformats.org/drawingml/2006/main" xmlns:r="http://schemas.openxmlformats.org/officeDocument/2006/relationships" xmlns:p="http://schemas.openxmlformats.org/presentationml/2006/main">
   <p:cSld>
     <p:spTree>

--- a/Documentation/IMS Project.pptx
+++ b/Documentation/IMS Project.pptx
@@ -276,7 +276,7 @@
           <a:p>
             <a:fld id="{B6D82836-364E-441C-8B2B-20A41A77C060}" type="datetimeFigureOut">
               <a:rPr lang="en-GB" smtClean="0"/>
-              <a:t>28/10/2021</a:t>
+              <a:t>29/10/2021</a:t>
             </a:fld>
             <a:endParaRPr lang="en-GB"/>
           </a:p>
@@ -476,7 +476,7 @@
           <a:p>
             <a:fld id="{B6D82836-364E-441C-8B2B-20A41A77C060}" type="datetimeFigureOut">
               <a:rPr lang="en-GB" smtClean="0"/>
-              <a:t>28/10/2021</a:t>
+              <a:t>29/10/2021</a:t>
             </a:fld>
             <a:endParaRPr lang="en-GB"/>
           </a:p>
@@ -686,7 +686,7 @@
           <a:p>
             <a:fld id="{B6D82836-364E-441C-8B2B-20A41A77C060}" type="datetimeFigureOut">
               <a:rPr lang="en-GB" smtClean="0"/>
-              <a:t>28/10/2021</a:t>
+              <a:t>29/10/2021</a:t>
             </a:fld>
             <a:endParaRPr lang="en-GB"/>
           </a:p>
@@ -886,7 +886,7 @@
           <a:p>
             <a:fld id="{B6D82836-364E-441C-8B2B-20A41A77C060}" type="datetimeFigureOut">
               <a:rPr lang="en-GB" smtClean="0"/>
-              <a:t>28/10/2021</a:t>
+              <a:t>29/10/2021</a:t>
             </a:fld>
             <a:endParaRPr lang="en-GB"/>
           </a:p>
@@ -1162,7 +1162,7 @@
           <a:p>
             <a:fld id="{B6D82836-364E-441C-8B2B-20A41A77C060}" type="datetimeFigureOut">
               <a:rPr lang="en-GB" smtClean="0"/>
-              <a:t>28/10/2021</a:t>
+              <a:t>29/10/2021</a:t>
             </a:fld>
             <a:endParaRPr lang="en-GB"/>
           </a:p>
@@ -1430,7 +1430,7 @@
           <a:p>
             <a:fld id="{B6D82836-364E-441C-8B2B-20A41A77C060}" type="datetimeFigureOut">
               <a:rPr lang="en-GB" smtClean="0"/>
-              <a:t>28/10/2021</a:t>
+              <a:t>29/10/2021</a:t>
             </a:fld>
             <a:endParaRPr lang="en-GB"/>
           </a:p>
@@ -1845,7 +1845,7 @@
           <a:p>
             <a:fld id="{B6D82836-364E-441C-8B2B-20A41A77C060}" type="datetimeFigureOut">
               <a:rPr lang="en-GB" smtClean="0"/>
-              <a:t>28/10/2021</a:t>
+              <a:t>29/10/2021</a:t>
             </a:fld>
             <a:endParaRPr lang="en-GB"/>
           </a:p>
@@ -1987,7 +1987,7 @@
           <a:p>
             <a:fld id="{B6D82836-364E-441C-8B2B-20A41A77C060}" type="datetimeFigureOut">
               <a:rPr lang="en-GB" smtClean="0"/>
-              <a:t>28/10/2021</a:t>
+              <a:t>29/10/2021</a:t>
             </a:fld>
             <a:endParaRPr lang="en-GB"/>
           </a:p>
@@ -2100,7 +2100,7 @@
           <a:p>
             <a:fld id="{B6D82836-364E-441C-8B2B-20A41A77C060}" type="datetimeFigureOut">
               <a:rPr lang="en-GB" smtClean="0"/>
-              <a:t>28/10/2021</a:t>
+              <a:t>29/10/2021</a:t>
             </a:fld>
             <a:endParaRPr lang="en-GB"/>
           </a:p>
@@ -2413,7 +2413,7 @@
           <a:p>
             <a:fld id="{B6D82836-364E-441C-8B2B-20A41A77C060}" type="datetimeFigureOut">
               <a:rPr lang="en-GB" smtClean="0"/>
-              <a:t>28/10/2021</a:t>
+              <a:t>29/10/2021</a:t>
             </a:fld>
             <a:endParaRPr lang="en-GB"/>
           </a:p>
@@ -2702,7 +2702,7 @@
           <a:p>
             <a:fld id="{B6D82836-364E-441C-8B2B-20A41A77C060}" type="datetimeFigureOut">
               <a:rPr lang="en-GB" smtClean="0"/>
-              <a:t>28/10/2021</a:t>
+              <a:t>29/10/2021</a:t>
             </a:fld>
             <a:endParaRPr lang="en-GB"/>
           </a:p>
@@ -2945,7 +2945,7 @@
           <a:p>
             <a:fld id="{B6D82836-364E-441C-8B2B-20A41A77C060}" type="datetimeFigureOut">
               <a:rPr lang="en-GB" smtClean="0"/>
-              <a:t>28/10/2021</a:t>
+              <a:t>29/10/2021</a:t>
             </a:fld>
             <a:endParaRPr lang="en-GB"/>
           </a:p>
@@ -3471,7 +3471,7 @@
           <a:p>
             <a:r>
               <a:rPr lang="en-GB" dirty="0"/>
-              <a:t>Entity Relationship diagram</a:t>
+              <a:t>Entity Relationship Diagram</a:t>
             </a:r>
           </a:p>
         </p:txBody>
@@ -4618,12 +4618,40 @@
             </a:r>
           </a:p>
           <a:p>
+            <a:pPr lvl="1"/>
+            <a:r>
+              <a:rPr lang="en-GB" dirty="0"/>
+              <a:t>MVP of IMS including:</a:t>
+            </a:r>
+          </a:p>
+          <a:p>
+            <a:pPr lvl="2"/>
+            <a:r>
+              <a:rPr lang="en-GB" dirty="0"/>
+              <a:t>MySQL database</a:t>
+            </a:r>
+          </a:p>
+          <a:p>
+            <a:pPr lvl="2"/>
+            <a:r>
+              <a:rPr lang="en-GB" dirty="0"/>
+              <a:t>Full Java Backend application with CRUD functionality</a:t>
+            </a:r>
+          </a:p>
+          <a:p>
             <a:endParaRPr lang="en-GB" dirty="0"/>
           </a:p>
           <a:p>
             <a:r>
               <a:rPr lang="en-GB" dirty="0"/>
               <a:t>What got left behind</a:t>
+            </a:r>
+          </a:p>
+          <a:p>
+            <a:pPr lvl="1"/>
+            <a:r>
+              <a:rPr lang="en-GB" dirty="0"/>
+              <a:t>Testing above 80%</a:t>
             </a:r>
           </a:p>
         </p:txBody>
@@ -4713,6 +4741,35 @@
             </a:r>
           </a:p>
           <a:p>
+            <a:pPr lvl="1"/>
+            <a:r>
+              <a:rPr lang="en-GB" dirty="0"/>
+              <a:t>Managed to get a working solution</a:t>
+            </a:r>
+          </a:p>
+          <a:p>
+            <a:pPr lvl="1"/>
+            <a:r>
+              <a:rPr lang="en-GB" dirty="0"/>
+              <a:t>Planned my project around diagrams </a:t>
+            </a:r>
+            <a:r>
+              <a:rPr lang="en-GB" dirty="0" err="1"/>
+              <a:t>ti</a:t>
+            </a:r>
+            <a:r>
+              <a:rPr lang="en-GB" dirty="0"/>
+              <a:t> help simplify the development</a:t>
+            </a:r>
+          </a:p>
+          <a:p>
+            <a:pPr lvl="1"/>
+            <a:r>
+              <a:rPr lang="en-GB" dirty="0"/>
+              <a:t>Using feature branch models within GitHub</a:t>
+            </a:r>
+          </a:p>
+          <a:p>
             <a:endParaRPr lang="en-GB" dirty="0"/>
           </a:p>
           <a:p>
@@ -4720,6 +4777,32 @@
               <a:rPr lang="en-GB" dirty="0"/>
               <a:t>What could be improved?</a:t>
             </a:r>
+          </a:p>
+          <a:p>
+            <a:pPr lvl="1"/>
+            <a:r>
+              <a:rPr lang="en-GB" dirty="0"/>
+              <a:t>Write tests as past of the feature branch as development goes along</a:t>
+            </a:r>
+          </a:p>
+          <a:p>
+            <a:pPr lvl="1"/>
+            <a:r>
+              <a:rPr lang="en-GB" dirty="0"/>
+              <a:t>More functionality in the console</a:t>
+            </a:r>
+          </a:p>
+          <a:p>
+            <a:pPr lvl="1"/>
+            <a:r>
+              <a:rPr lang="en-GB" dirty="0"/>
+              <a:t>More comments in source code to make </a:t>
+            </a:r>
+            <a:r>
+              <a:rPr lang="en-GB"/>
+              <a:t>things clearer</a:t>
+            </a:r>
+            <a:endParaRPr lang="en-GB" dirty="0"/>
           </a:p>
         </p:txBody>
       </p:sp>
